--- a/Lessions/Bai-01-Output-Hello-World/1.Bai-01-Output-Hello-World-p2.pptx
+++ b/Lessions/Bai-01-Output-Hello-World/1.Bai-01-Output-Hello-World-p2.pptx
@@ -206,7 +206,7 @@
           <a:p>
             <a:fld id="{E1BDF935-9821-4834-9D99-7DEFA719F44D}" type="datetimeFigureOut">
               <a:rPr lang="en-US" smtClean="0"/>
-              <a:t>4/28/2023</a:t>
+              <a:t>5/4/2023</a:t>
             </a:fld>
             <a:endParaRPr lang="en-US"/>
           </a:p>
@@ -2708,17 +2708,7 @@
                 <a:latin typeface="UTM Helve" panose="02040603050506020204" pitchFamily="18" charset="0"/>
                 <a:ea typeface="Roboto" pitchFamily="2" charset="0"/>
               </a:rPr>
-              <a:t>1.5 </a:t>
-            </a:r>
-            <a:r>
-              <a:rPr lang="en-US" sz="2400" b="1" dirty="0" smtClean="0">
-                <a:solidFill>
-                  <a:srgbClr val="64C7E9"/>
-                </a:solidFill>
-                <a:latin typeface="UTM Helve" panose="02040603050506020204" pitchFamily="18" charset="0"/>
-                <a:ea typeface="Roboto" pitchFamily="2" charset="0"/>
-              </a:rPr>
-              <a:t>Hoạt động học viên</a:t>
+              <a:t>1.5 Hoạt động học viên</a:t>
             </a:r>
             <a:endParaRPr lang="en-US" sz="2400" b="1" dirty="0">
               <a:solidFill>
@@ -3175,7 +3165,43 @@
                 </a:solidFill>
                 <a:ea typeface="Roboto Condensed" pitchFamily="2" charset="0"/>
               </a:rPr>
-              <a:t>Hươu cao cổ an lá</a:t>
+              <a:t>Hươu cao cổ </a:t>
+            </a:r>
+            <a:r>
+              <a:rPr lang="en-US" sz="2000" b="0" dirty="0">
+                <a:solidFill>
+                  <a:schemeClr val="tx1">
+                    <a:lumMod val="95000"/>
+                    <a:lumOff val="5000"/>
+                  </a:schemeClr>
+                </a:solidFill>
+                <a:ea typeface="Roboto Condensed" pitchFamily="2" charset="0"/>
+              </a:rPr>
+              <a:t>ă</a:t>
+            </a:r>
+            <a:r>
+              <a:rPr lang="en-US" sz="2000" b="0" dirty="0" smtClean="0">
+                <a:solidFill>
+                  <a:schemeClr val="tx1">
+                    <a:lumMod val="95000"/>
+                    <a:lumOff val="5000"/>
+                  </a:schemeClr>
+                </a:solidFill>
+                <a:ea typeface="Roboto Condensed" pitchFamily="2" charset="0"/>
+              </a:rPr>
+              <a:t>n </a:t>
+            </a:r>
+            <a:r>
+              <a:rPr lang="en-US" sz="2000" b="0" dirty="0" smtClean="0">
+                <a:solidFill>
+                  <a:schemeClr val="tx1">
+                    <a:lumMod val="95000"/>
+                    <a:lumOff val="5000"/>
+                  </a:schemeClr>
+                </a:solidFill>
+                <a:ea typeface="Roboto Condensed" pitchFamily="2" charset="0"/>
+              </a:rPr>
+              <a:t>lá</a:t>
             </a:r>
             <a:endParaRPr lang="en-US" sz="2000" dirty="0" smtClean="0">
               <a:solidFill>
@@ -4378,13 +4404,6 @@
               </a:rPr>
               <a:t>- Chuyển động </a:t>
             </a:r>
-            <a:endParaRPr lang="en-US" sz="2400" b="1" dirty="0">
-              <a:solidFill>
-                <a:srgbClr val="64C7E9"/>
-              </a:solidFill>
-              <a:latin typeface="UTM Helve" panose="02040603050506020204" pitchFamily="18" charset="0"/>
-              <a:ea typeface="Roboto" pitchFamily="2" charset="0"/>
-            </a:endParaRPr>
           </a:p>
         </p:txBody>
       </p:sp>
@@ -4589,15 +4608,6 @@
               </a:rPr>
               <a:t>Với trí tưởng tượng của mình, bạn có thể tạo ra hình ảnh chuyển động trên giấy với LED Planner</a:t>
             </a:r>
-            <a:endParaRPr lang="en-US" sz="1800" b="0" dirty="0" smtClean="0">
-              <a:solidFill>
-                <a:schemeClr val="tx1">
-                  <a:lumMod val="95000"/>
-                  <a:lumOff val="5000"/>
-                </a:schemeClr>
-              </a:solidFill>
-              <a:ea typeface="Roboto Condensed" pitchFamily="2" charset="0"/>
-            </a:endParaRPr>
           </a:p>
         </p:txBody>
       </p:sp>
@@ -4752,13 +4762,6 @@
               </a:rPr>
               <a:t>- Chuyển động </a:t>
             </a:r>
-            <a:endParaRPr lang="en-US" sz="2400" b="1" dirty="0">
-              <a:solidFill>
-                <a:srgbClr val="64C7E9"/>
-              </a:solidFill>
-              <a:latin typeface="UTM Helve" panose="02040603050506020204" pitchFamily="18" charset="0"/>
-              <a:ea typeface="Roboto" pitchFamily="2" charset="0"/>
-            </a:endParaRPr>
           </a:p>
         </p:txBody>
       </p:sp>
@@ -4947,15 +4950,6 @@
               </a:rPr>
               <a:t>block show leds</a:t>
             </a:r>
-            <a:endParaRPr lang="en-US" sz="1800" dirty="0" smtClean="0">
-              <a:solidFill>
-                <a:schemeClr val="tx1">
-                  <a:lumMod val="95000"/>
-                  <a:lumOff val="5000"/>
-                </a:schemeClr>
-              </a:solidFill>
-              <a:ea typeface="Roboto Condensed" pitchFamily="2" charset="0"/>
-            </a:endParaRPr>
           </a:p>
         </p:txBody>
       </p:sp>
@@ -5356,13 +5350,6 @@
               </a:rPr>
               <a:t>- Chuyển động </a:t>
             </a:r>
-            <a:endParaRPr lang="en-US" sz="2400" b="1" dirty="0">
-              <a:solidFill>
-                <a:srgbClr val="64C7E9"/>
-              </a:solidFill>
-              <a:latin typeface="UTM Helve" panose="02040603050506020204" pitchFamily="18" charset="0"/>
-              <a:ea typeface="Roboto" pitchFamily="2" charset="0"/>
-            </a:endParaRPr>
           </a:p>
         </p:txBody>
       </p:sp>
@@ -6273,13 +6260,6 @@
               </a:rPr>
               <a:t>1.4 Animations - Chuyển động</a:t>
             </a:r>
-            <a:endParaRPr lang="en-US" sz="2400" b="1" dirty="0">
-              <a:solidFill>
-                <a:srgbClr val="64C7E9"/>
-              </a:solidFill>
-              <a:latin typeface="UTM Helve" panose="02040603050506020204" pitchFamily="18" charset="0"/>
-              <a:ea typeface="Roboto" pitchFamily="2" charset="0"/>
-            </a:endParaRPr>
           </a:p>
         </p:txBody>
       </p:sp>
@@ -7056,13 +7036,6 @@
               </a:rPr>
               <a:t>Animations - Chuyển động</a:t>
             </a:r>
-            <a:endParaRPr lang="en-US" sz="2400" b="1" dirty="0">
-              <a:solidFill>
-                <a:srgbClr val="64C7E9"/>
-              </a:solidFill>
-              <a:latin typeface="UTM Helve" panose="02040603050506020204" pitchFamily="18" charset="0"/>
-              <a:ea typeface="Roboto" pitchFamily="2" charset="0"/>
-            </a:endParaRPr>
           </a:p>
         </p:txBody>
       </p:sp>
@@ -7377,13 +7350,6 @@
               </a:rPr>
               <a:t>Animations - Chuyển động</a:t>
             </a:r>
-            <a:endParaRPr lang="en-US" sz="2400" b="1" dirty="0">
-              <a:solidFill>
-                <a:srgbClr val="64C7E9"/>
-              </a:solidFill>
-              <a:latin typeface="UTM Helve" panose="02040603050506020204" pitchFamily="18" charset="0"/>
-              <a:ea typeface="Roboto" pitchFamily="2" charset="0"/>
-            </a:endParaRPr>
           </a:p>
         </p:txBody>
       </p:sp>
@@ -7786,17 +7752,7 @@
                 <a:latin typeface="UTM Helve" panose="02040603050506020204" pitchFamily="18" charset="0"/>
                 <a:ea typeface="Roboto" pitchFamily="2" charset="0"/>
               </a:rPr>
-              <a:t>1.5 </a:t>
-            </a:r>
-            <a:r>
-              <a:rPr lang="en-US" sz="2400" b="1" dirty="0" smtClean="0">
-                <a:solidFill>
-                  <a:srgbClr val="64C7E9"/>
-                </a:solidFill>
-                <a:latin typeface="UTM Helve" panose="02040603050506020204" pitchFamily="18" charset="0"/>
-                <a:ea typeface="Roboto" pitchFamily="2" charset="0"/>
-              </a:rPr>
-              <a:t>Hoạt động học viên</a:t>
+              <a:t>1.5 Hoạt động học viên</a:t>
             </a:r>
             <a:endParaRPr lang="en-US" sz="2400" b="1" dirty="0">
               <a:solidFill>
